--- a/rocketmq-mqtt/MQTT.pptx
+++ b/rocketmq-mqtt/MQTT.pptx
@@ -247,7 +247,7 @@
           <a:p>
             <a:fld id="{F8CE58C2-A80E-43BE-964F-5E4EB17C2974}" type="datetimeFigureOut">
               <a:rPr lang="zh-CN" altLang="en-US" smtClean="0"/>
-              <a:t>2015/8/3</a:t>
+              <a:t>2015/8/5</a:t>
             </a:fld>
             <a:endParaRPr lang="zh-CN" altLang="en-US"/>
           </a:p>
@@ -417,7 +417,7 @@
           <a:p>
             <a:fld id="{F8CE58C2-A80E-43BE-964F-5E4EB17C2974}" type="datetimeFigureOut">
               <a:rPr lang="zh-CN" altLang="en-US" smtClean="0"/>
-              <a:t>2015/8/3</a:t>
+              <a:t>2015/8/5</a:t>
             </a:fld>
             <a:endParaRPr lang="zh-CN" altLang="en-US"/>
           </a:p>
@@ -597,7 +597,7 @@
           <a:p>
             <a:fld id="{F8CE58C2-A80E-43BE-964F-5E4EB17C2974}" type="datetimeFigureOut">
               <a:rPr lang="zh-CN" altLang="en-US" smtClean="0"/>
-              <a:t>2015/8/3</a:t>
+              <a:t>2015/8/5</a:t>
             </a:fld>
             <a:endParaRPr lang="zh-CN" altLang="en-US"/>
           </a:p>
@@ -767,7 +767,7 @@
           <a:p>
             <a:fld id="{F8CE58C2-A80E-43BE-964F-5E4EB17C2974}" type="datetimeFigureOut">
               <a:rPr lang="zh-CN" altLang="en-US" smtClean="0"/>
-              <a:t>2015/8/3</a:t>
+              <a:t>2015/8/5</a:t>
             </a:fld>
             <a:endParaRPr lang="zh-CN" altLang="en-US"/>
           </a:p>
@@ -1013,7 +1013,7 @@
           <a:p>
             <a:fld id="{F8CE58C2-A80E-43BE-964F-5E4EB17C2974}" type="datetimeFigureOut">
               <a:rPr lang="zh-CN" altLang="en-US" smtClean="0"/>
-              <a:t>2015/8/3</a:t>
+              <a:t>2015/8/5</a:t>
             </a:fld>
             <a:endParaRPr lang="zh-CN" altLang="en-US"/>
           </a:p>
@@ -1245,7 +1245,7 @@
           <a:p>
             <a:fld id="{F8CE58C2-A80E-43BE-964F-5E4EB17C2974}" type="datetimeFigureOut">
               <a:rPr lang="zh-CN" altLang="en-US" smtClean="0"/>
-              <a:t>2015/8/3</a:t>
+              <a:t>2015/8/5</a:t>
             </a:fld>
             <a:endParaRPr lang="zh-CN" altLang="en-US"/>
           </a:p>
@@ -1612,7 +1612,7 @@
           <a:p>
             <a:fld id="{F8CE58C2-A80E-43BE-964F-5E4EB17C2974}" type="datetimeFigureOut">
               <a:rPr lang="zh-CN" altLang="en-US" smtClean="0"/>
-              <a:t>2015/8/3</a:t>
+              <a:t>2015/8/5</a:t>
             </a:fld>
             <a:endParaRPr lang="zh-CN" altLang="en-US"/>
           </a:p>
@@ -1730,7 +1730,7 @@
           <a:p>
             <a:fld id="{F8CE58C2-A80E-43BE-964F-5E4EB17C2974}" type="datetimeFigureOut">
               <a:rPr lang="zh-CN" altLang="en-US" smtClean="0"/>
-              <a:t>2015/8/3</a:t>
+              <a:t>2015/8/5</a:t>
             </a:fld>
             <a:endParaRPr lang="zh-CN" altLang="en-US"/>
           </a:p>
@@ -1825,7 +1825,7 @@
           <a:p>
             <a:fld id="{F8CE58C2-A80E-43BE-964F-5E4EB17C2974}" type="datetimeFigureOut">
               <a:rPr lang="zh-CN" altLang="en-US" smtClean="0"/>
-              <a:t>2015/8/3</a:t>
+              <a:t>2015/8/5</a:t>
             </a:fld>
             <a:endParaRPr lang="zh-CN" altLang="en-US"/>
           </a:p>
@@ -2102,7 +2102,7 @@
           <a:p>
             <a:fld id="{F8CE58C2-A80E-43BE-964F-5E4EB17C2974}" type="datetimeFigureOut">
               <a:rPr lang="zh-CN" altLang="en-US" smtClean="0"/>
-              <a:t>2015/8/3</a:t>
+              <a:t>2015/8/5</a:t>
             </a:fld>
             <a:endParaRPr lang="zh-CN" altLang="en-US"/>
           </a:p>
@@ -2355,7 +2355,7 @@
           <a:p>
             <a:fld id="{F8CE58C2-A80E-43BE-964F-5E4EB17C2974}" type="datetimeFigureOut">
               <a:rPr lang="zh-CN" altLang="en-US" smtClean="0"/>
-              <a:t>2015/8/3</a:t>
+              <a:t>2015/8/5</a:t>
             </a:fld>
             <a:endParaRPr lang="zh-CN" altLang="en-US"/>
           </a:p>
@@ -2568,7 +2568,7 @@
           <a:p>
             <a:fld id="{F8CE58C2-A80E-43BE-964F-5E4EB17C2974}" type="datetimeFigureOut">
               <a:rPr lang="zh-CN" altLang="en-US" smtClean="0"/>
-              <a:t>2015/8/3</a:t>
+              <a:t>2015/8/5</a:t>
             </a:fld>
             <a:endParaRPr lang="zh-CN" altLang="en-US"/>
           </a:p>
@@ -3019,8 +3019,217 @@
           <a:lstStyle/>
           <a:p>
             <a:r>
+              <a:rPr lang="en-US" altLang="zh-CN" sz="2000" dirty="0" smtClean="0"/>
+              <a:t>1</a:t>
+            </a:r>
+            <a:r>
               <a:rPr lang="zh-CN" altLang="en-US" sz="2000" dirty="0" smtClean="0"/>
-              <a:t>总体思路为</a:t>
+              <a:t>个</a:t>
+            </a:r>
+            <a:r>
+              <a:rPr lang="en-US" altLang="zh-CN" sz="2000" dirty="0" smtClean="0"/>
+              <a:t>Broker </a:t>
+            </a:r>
+            <a:r>
+              <a:rPr lang="en-US" altLang="zh-CN" sz="2000" dirty="0" smtClean="0">
+                <a:sym typeface="Wingdings" panose="05000000000000000000" pitchFamily="2" charset="2"/>
+              </a:rPr>
+              <a:t> </a:t>
+            </a:r>
+            <a:r>
+              <a:rPr lang="en-US" altLang="zh-CN" sz="2000" dirty="0" smtClean="0">
+                <a:sym typeface="Wingdings" panose="05000000000000000000" pitchFamily="2" charset="2"/>
+              </a:rPr>
+              <a:t>N</a:t>
+            </a:r>
+            <a:r>
+              <a:rPr lang="zh-CN" altLang="en-US" sz="2000" dirty="0" smtClean="0">
+                <a:sym typeface="Wingdings" panose="05000000000000000000" pitchFamily="2" charset="2"/>
+              </a:rPr>
+              <a:t>个</a:t>
+            </a:r>
+            <a:r>
+              <a:rPr lang="en-US" altLang="zh-CN" sz="2000" dirty="0" smtClean="0">
+                <a:sym typeface="Wingdings" panose="05000000000000000000" pitchFamily="2" charset="2"/>
+              </a:rPr>
+              <a:t>MQ</a:t>
+            </a:r>
+            <a:r>
+              <a:rPr lang="en-US" altLang="zh-CN" sz="2000" dirty="0">
+                <a:sym typeface="Wingdings" panose="05000000000000000000" pitchFamily="2" charset="2"/>
+              </a:rPr>
+              <a:t>(</a:t>
+            </a:r>
+            <a:r>
+              <a:rPr lang="zh-CN" altLang="en-US" sz="2000" dirty="0" smtClean="0">
+                <a:sym typeface="Wingdings" panose="05000000000000000000" pitchFamily="2" charset="2"/>
+              </a:rPr>
+              <a:t>集群</a:t>
+            </a:r>
+            <a:r>
+              <a:rPr lang="en-US" altLang="zh-CN" sz="2000" dirty="0" smtClean="0">
+                <a:sym typeface="Wingdings" panose="05000000000000000000" pitchFamily="2" charset="2"/>
+              </a:rPr>
+              <a:t>)</a:t>
+            </a:r>
+          </a:p>
+          <a:p>
+            <a:r>
+              <a:rPr lang="en-US" altLang="zh-CN" sz="2000" dirty="0" smtClean="0">
+                <a:sym typeface="Wingdings" panose="05000000000000000000" pitchFamily="2" charset="2"/>
+              </a:rPr>
+              <a:t>1</a:t>
+            </a:r>
+            <a:r>
+              <a:rPr lang="zh-CN" altLang="en-US" sz="2000" dirty="0" smtClean="0">
+                <a:sym typeface="Wingdings" panose="05000000000000000000" pitchFamily="2" charset="2"/>
+              </a:rPr>
+              <a:t>个</a:t>
+            </a:r>
+            <a:r>
+              <a:rPr lang="en-US" altLang="zh-CN" sz="2000" dirty="0" smtClean="0">
+                <a:sym typeface="Wingdings" panose="05000000000000000000" pitchFamily="2" charset="2"/>
+              </a:rPr>
+              <a:t>MQ  </a:t>
+            </a:r>
+            <a:r>
+              <a:rPr lang="en-US" altLang="zh-CN" sz="2000" dirty="0" smtClean="0">
+                <a:sym typeface="Wingdings" panose="05000000000000000000" pitchFamily="2" charset="2"/>
+              </a:rPr>
+              <a:t>1</a:t>
+            </a:r>
+            <a:r>
+              <a:rPr lang="zh-CN" altLang="en-US" sz="2000" dirty="0" smtClean="0">
+                <a:sym typeface="Wingdings" panose="05000000000000000000" pitchFamily="2" charset="2"/>
+              </a:rPr>
+              <a:t>个</a:t>
+            </a:r>
+            <a:r>
+              <a:rPr lang="zh-CN" altLang="en-US" sz="2000" dirty="0" smtClean="0">
+                <a:sym typeface="Wingdings" panose="05000000000000000000" pitchFamily="2" charset="2"/>
+              </a:rPr>
+              <a:t>下行</a:t>
+            </a:r>
+            <a:r>
+              <a:rPr lang="en-US" altLang="zh-CN" sz="2000" dirty="0" smtClean="0">
+                <a:sym typeface="Wingdings" panose="05000000000000000000" pitchFamily="2" charset="2"/>
+              </a:rPr>
+              <a:t>TOPIC</a:t>
+            </a:r>
+            <a:r>
+              <a:rPr lang="zh-CN" altLang="en-US" sz="2000" dirty="0" smtClean="0">
+                <a:sym typeface="Wingdings" panose="05000000000000000000" pitchFamily="2" charset="2"/>
+              </a:rPr>
+              <a:t> 、</a:t>
+            </a:r>
+            <a:r>
+              <a:rPr lang="en-US" altLang="zh-CN" sz="2000" dirty="0" smtClean="0">
+                <a:sym typeface="Wingdings" panose="05000000000000000000" pitchFamily="2" charset="2"/>
+              </a:rPr>
+              <a:t>1</a:t>
+            </a:r>
+            <a:r>
+              <a:rPr lang="zh-CN" altLang="en-US" sz="2000" dirty="0" smtClean="0">
+                <a:sym typeface="Wingdings" panose="05000000000000000000" pitchFamily="2" charset="2"/>
+              </a:rPr>
+              <a:t>个</a:t>
+            </a:r>
+            <a:r>
+              <a:rPr lang="zh-CN" altLang="en-US" sz="2000" dirty="0" smtClean="0">
+                <a:sym typeface="Wingdings" panose="05000000000000000000" pitchFamily="2" charset="2"/>
+              </a:rPr>
+              <a:t>上行</a:t>
+            </a:r>
+            <a:r>
+              <a:rPr lang="en-US" altLang="zh-CN" sz="2000" dirty="0" smtClean="0">
+                <a:sym typeface="Wingdings" panose="05000000000000000000" pitchFamily="2" charset="2"/>
+              </a:rPr>
+              <a:t>TOPIC</a:t>
+            </a:r>
+            <a:r>
+              <a:rPr lang="zh-CN" altLang="en-US" sz="2000" dirty="0" smtClean="0">
+                <a:sym typeface="Wingdings" panose="05000000000000000000" pitchFamily="2" charset="2"/>
+              </a:rPr>
+              <a:t>、</a:t>
+            </a:r>
+            <a:r>
+              <a:rPr lang="en-US" altLang="zh-CN" sz="2000" dirty="0" smtClean="0">
+                <a:sym typeface="Wingdings" panose="05000000000000000000" pitchFamily="2" charset="2"/>
+              </a:rPr>
+              <a:t>1</a:t>
+            </a:r>
+            <a:r>
+              <a:rPr lang="zh-CN" altLang="en-US" sz="2000" dirty="0" smtClean="0">
+                <a:sym typeface="Wingdings" panose="05000000000000000000" pitchFamily="2" charset="2"/>
+              </a:rPr>
+              <a:t>个</a:t>
+            </a:r>
+            <a:r>
+              <a:rPr lang="en-US" altLang="zh-CN" sz="2000" dirty="0" smtClean="0">
+                <a:sym typeface="Wingdings" panose="05000000000000000000" pitchFamily="2" charset="2"/>
+              </a:rPr>
+              <a:t>SYS</a:t>
+            </a:r>
+            <a:endParaRPr lang="en-US" altLang="zh-CN" sz="2000" dirty="0">
+              <a:sym typeface="Wingdings" panose="05000000000000000000" pitchFamily="2" charset="2"/>
+            </a:endParaRPr>
+          </a:p>
+          <a:p>
+            <a:r>
+              <a:rPr lang="en-US" altLang="zh-CN" sz="2000" dirty="0" smtClean="0">
+                <a:sym typeface="Wingdings" panose="05000000000000000000" pitchFamily="2" charset="2"/>
+              </a:rPr>
+              <a:t>1</a:t>
+            </a:r>
+            <a:r>
+              <a:rPr lang="zh-CN" altLang="en-US" sz="2000" dirty="0" smtClean="0">
+                <a:sym typeface="Wingdings" panose="05000000000000000000" pitchFamily="2" charset="2"/>
+              </a:rPr>
+              <a:t>个下行</a:t>
+            </a:r>
+            <a:r>
+              <a:rPr lang="en-US" altLang="zh-CN" sz="2000" dirty="0" smtClean="0">
+                <a:sym typeface="Wingdings" panose="05000000000000000000" pitchFamily="2" charset="2"/>
+              </a:rPr>
+              <a:t>TOPIC  </a:t>
+            </a:r>
+            <a:r>
+              <a:rPr lang="en-US" altLang="zh-CN" sz="2000" dirty="0" smtClean="0">
+                <a:sym typeface="Wingdings" panose="05000000000000000000" pitchFamily="2" charset="2"/>
+              </a:rPr>
+              <a:t>X</a:t>
+            </a:r>
+            <a:r>
+              <a:rPr lang="zh-CN" altLang="en-US" sz="2000" dirty="0" smtClean="0">
+                <a:sym typeface="Wingdings" panose="05000000000000000000" pitchFamily="2" charset="2"/>
+              </a:rPr>
+              <a:t>个</a:t>
+            </a:r>
+            <a:r>
+              <a:rPr lang="en-US" altLang="zh-CN" sz="2000" dirty="0" smtClean="0">
+                <a:sym typeface="Wingdings" panose="05000000000000000000" pitchFamily="2" charset="2"/>
+              </a:rPr>
+              <a:t>tag</a:t>
+            </a:r>
+          </a:p>
+          <a:p>
+            <a:r>
+              <a:rPr lang="en-US" altLang="zh-CN" sz="2000" dirty="0" smtClean="0">
+                <a:sym typeface="Wingdings" panose="05000000000000000000" pitchFamily="2" charset="2"/>
+              </a:rPr>
+              <a:t>1</a:t>
+            </a:r>
+            <a:r>
+              <a:rPr lang="zh-CN" altLang="en-US" sz="2000" dirty="0" smtClean="0">
+                <a:sym typeface="Wingdings" panose="05000000000000000000" pitchFamily="2" charset="2"/>
+              </a:rPr>
+              <a:t>个</a:t>
+            </a:r>
+            <a:r>
+              <a:rPr lang="en-US" altLang="zh-CN" sz="2000" dirty="0" smtClean="0">
+                <a:sym typeface="Wingdings" panose="05000000000000000000" pitchFamily="2" charset="2"/>
+              </a:rPr>
+              <a:t>ClientId  </a:t>
             </a:r>
             <a:r>
               <a:rPr lang="en-US" altLang="zh-CN" sz="2000" dirty="0">
@@ -3035,184 +3244,6 @@
               <a:t>个</a:t>
             </a:r>
             <a:r>
-              <a:rPr lang="en-US" altLang="zh-CN" sz="2000" dirty="0">
-                <a:sym typeface="Wingdings" panose="05000000000000000000" pitchFamily="2" charset="2"/>
-              </a:rPr>
-              <a:t>MQ(</a:t>
-            </a:r>
-            <a:r>
-              <a:rPr lang="zh-CN" altLang="en-US" sz="2000" dirty="0">
-                <a:sym typeface="Wingdings" panose="05000000000000000000" pitchFamily="2" charset="2"/>
-              </a:rPr>
-              <a:t>集群</a:t>
-            </a:r>
-            <a:r>
-              <a:rPr lang="en-US" altLang="zh-CN" sz="2000" dirty="0" smtClean="0">
-                <a:sym typeface="Wingdings" panose="05000000000000000000" pitchFamily="2" charset="2"/>
-              </a:rPr>
-              <a:t>)</a:t>
-            </a:r>
-            <a:r>
-              <a:rPr lang="zh-CN" altLang="en-US" sz="2000" dirty="0" smtClean="0">
-                <a:sym typeface="Wingdings" panose="05000000000000000000" pitchFamily="2" charset="2"/>
-              </a:rPr>
-              <a:t>承载</a:t>
-            </a:r>
-            <a:r>
-              <a:rPr lang="en-US" altLang="zh-CN" sz="2000" dirty="0" smtClean="0">
-                <a:sym typeface="Wingdings" panose="05000000000000000000" pitchFamily="2" charset="2"/>
-              </a:rPr>
-              <a:t>100</a:t>
-            </a:r>
-            <a:r>
-              <a:rPr lang="zh-CN" altLang="en-US" sz="2000" dirty="0" smtClean="0">
-                <a:sym typeface="Wingdings" panose="05000000000000000000" pitchFamily="2" charset="2"/>
-              </a:rPr>
-              <a:t>万用户</a:t>
-            </a:r>
-            <a:endParaRPr lang="en-US" altLang="zh-CN" sz="2000" dirty="0" smtClean="0"/>
-          </a:p>
-          <a:p>
-            <a:r>
-              <a:rPr lang="en-US" altLang="zh-CN" sz="2000" dirty="0" smtClean="0"/>
-              <a:t>1</a:t>
-            </a:r>
-            <a:r>
-              <a:rPr lang="zh-CN" altLang="en-US" sz="2000" dirty="0" smtClean="0"/>
-              <a:t>个</a:t>
-            </a:r>
-            <a:r>
-              <a:rPr lang="en-US" altLang="zh-CN" sz="2000" dirty="0" smtClean="0"/>
-              <a:t>Broker </a:t>
-            </a:r>
-            <a:r>
-              <a:rPr lang="en-US" altLang="zh-CN" sz="2000" dirty="0" smtClean="0">
-                <a:sym typeface="Wingdings" panose="05000000000000000000" pitchFamily="2" charset="2"/>
-              </a:rPr>
-              <a:t> 1</a:t>
-            </a:r>
-            <a:r>
-              <a:rPr lang="zh-CN" altLang="en-US" sz="2000" dirty="0" smtClean="0">
-                <a:sym typeface="Wingdings" panose="05000000000000000000" pitchFamily="2" charset="2"/>
-              </a:rPr>
-              <a:t>个</a:t>
-            </a:r>
-            <a:r>
-              <a:rPr lang="en-US" altLang="zh-CN" sz="2000" dirty="0" smtClean="0">
-                <a:sym typeface="Wingdings" panose="05000000000000000000" pitchFamily="2" charset="2"/>
-              </a:rPr>
-              <a:t>MQ</a:t>
-            </a:r>
-            <a:r>
-              <a:rPr lang="en-US" altLang="zh-CN" sz="2000" dirty="0">
-                <a:sym typeface="Wingdings" panose="05000000000000000000" pitchFamily="2" charset="2"/>
-              </a:rPr>
-              <a:t>(</a:t>
-            </a:r>
-            <a:r>
-              <a:rPr lang="zh-CN" altLang="en-US" sz="2000" dirty="0" smtClean="0">
-                <a:sym typeface="Wingdings" panose="05000000000000000000" pitchFamily="2" charset="2"/>
-              </a:rPr>
-              <a:t>集群</a:t>
-            </a:r>
-            <a:r>
-              <a:rPr lang="en-US" altLang="zh-CN" sz="2000" dirty="0" smtClean="0">
-                <a:sym typeface="Wingdings" panose="05000000000000000000" pitchFamily="2" charset="2"/>
-              </a:rPr>
-              <a:t>)</a:t>
-            </a:r>
-          </a:p>
-          <a:p>
-            <a:r>
-              <a:rPr lang="en-US" altLang="zh-CN" sz="2000" dirty="0" smtClean="0">
-                <a:sym typeface="Wingdings" panose="05000000000000000000" pitchFamily="2" charset="2"/>
-              </a:rPr>
-              <a:t>1</a:t>
-            </a:r>
-            <a:r>
-              <a:rPr lang="zh-CN" altLang="en-US" sz="2000" dirty="0" smtClean="0">
-                <a:sym typeface="Wingdings" panose="05000000000000000000" pitchFamily="2" charset="2"/>
-              </a:rPr>
-              <a:t>个</a:t>
-            </a:r>
-            <a:r>
-              <a:rPr lang="en-US" altLang="zh-CN" sz="2000" dirty="0" smtClean="0">
-                <a:sym typeface="Wingdings" panose="05000000000000000000" pitchFamily="2" charset="2"/>
-              </a:rPr>
-              <a:t>MQ  10000</a:t>
-            </a:r>
-            <a:r>
-              <a:rPr lang="zh-CN" altLang="en-US" sz="2000" dirty="0" smtClean="0">
-                <a:sym typeface="Wingdings" panose="05000000000000000000" pitchFamily="2" charset="2"/>
-              </a:rPr>
-              <a:t>个下行</a:t>
-            </a:r>
-            <a:r>
-              <a:rPr lang="en-US" altLang="zh-CN" sz="2000" dirty="0" smtClean="0">
-                <a:sym typeface="Wingdings" panose="05000000000000000000" pitchFamily="2" charset="2"/>
-              </a:rPr>
-              <a:t>TOPIC</a:t>
-            </a:r>
-            <a:r>
-              <a:rPr lang="zh-CN" altLang="en-US" sz="2000" dirty="0" smtClean="0">
-                <a:sym typeface="Wingdings" panose="05000000000000000000" pitchFamily="2" charset="2"/>
-              </a:rPr>
-              <a:t> 、</a:t>
-            </a:r>
-            <a:r>
-              <a:rPr lang="en-US" altLang="zh-CN" sz="2000" dirty="0" smtClean="0">
-                <a:sym typeface="Wingdings" panose="05000000000000000000" pitchFamily="2" charset="2"/>
-              </a:rPr>
-              <a:t>1000</a:t>
-            </a:r>
-            <a:r>
-              <a:rPr lang="zh-CN" altLang="en-US" sz="2000" dirty="0" smtClean="0">
-                <a:sym typeface="Wingdings" panose="05000000000000000000" pitchFamily="2" charset="2"/>
-              </a:rPr>
-              <a:t>个上行</a:t>
-            </a:r>
-            <a:r>
-              <a:rPr lang="en-US" altLang="zh-CN" sz="2000" dirty="0" smtClean="0">
-                <a:sym typeface="Wingdings" panose="05000000000000000000" pitchFamily="2" charset="2"/>
-              </a:rPr>
-              <a:t>TOPIC</a:t>
-            </a:r>
-            <a:endParaRPr lang="en-US" altLang="zh-CN" sz="2000" dirty="0">
-              <a:sym typeface="Wingdings" panose="05000000000000000000" pitchFamily="2" charset="2"/>
-            </a:endParaRPr>
-          </a:p>
-          <a:p>
-            <a:r>
-              <a:rPr lang="en-US" altLang="zh-CN" sz="2000" dirty="0" smtClean="0">
-                <a:sym typeface="Wingdings" panose="05000000000000000000" pitchFamily="2" charset="2"/>
-              </a:rPr>
-              <a:t>1</a:t>
-            </a:r>
-            <a:r>
-              <a:rPr lang="zh-CN" altLang="en-US" sz="2000" dirty="0" smtClean="0">
-                <a:sym typeface="Wingdings" panose="05000000000000000000" pitchFamily="2" charset="2"/>
-              </a:rPr>
-              <a:t>个下行</a:t>
-            </a:r>
-            <a:r>
-              <a:rPr lang="en-US" altLang="zh-CN" sz="2000" dirty="0" smtClean="0">
-                <a:sym typeface="Wingdings" panose="05000000000000000000" pitchFamily="2" charset="2"/>
-              </a:rPr>
-              <a:t>TOPIC  </a:t>
-            </a:r>
-            <a:r>
-              <a:rPr lang="en-US" altLang="zh-CN" sz="2000" dirty="0">
-                <a:sym typeface="Wingdings" panose="05000000000000000000" pitchFamily="2" charset="2"/>
-              </a:rPr>
-              <a:t>200</a:t>
-            </a:r>
-            <a:r>
-              <a:rPr lang="zh-CN" altLang="en-US" sz="2000" dirty="0">
-                <a:sym typeface="Wingdings" panose="05000000000000000000" pitchFamily="2" charset="2"/>
-              </a:rPr>
-              <a:t>个</a:t>
-            </a:r>
-            <a:r>
               <a:rPr lang="en-US" altLang="zh-CN" sz="2000" dirty="0" smtClean="0">
                 <a:sym typeface="Wingdings" panose="05000000000000000000" pitchFamily="2" charset="2"/>
               </a:rPr>
@@ -3224,44 +3255,6 @@
               <a:rPr lang="en-US" altLang="zh-CN" sz="2000" dirty="0" smtClean="0">
                 <a:sym typeface="Wingdings" panose="05000000000000000000" pitchFamily="2" charset="2"/>
               </a:rPr>
-              <a:t>1</a:t>
-            </a:r>
-            <a:r>
-              <a:rPr lang="zh-CN" altLang="en-US" sz="2000" dirty="0" smtClean="0">
-                <a:sym typeface="Wingdings" panose="05000000000000000000" pitchFamily="2" charset="2"/>
-              </a:rPr>
-              <a:t>个</a:t>
-            </a:r>
-            <a:r>
-              <a:rPr lang="en-US" altLang="zh-CN" sz="2000" dirty="0" smtClean="0">
-                <a:sym typeface="Wingdings" panose="05000000000000000000" pitchFamily="2" charset="2"/>
-              </a:rPr>
-              <a:t>ClientId  </a:t>
-            </a:r>
-            <a:r>
-              <a:rPr lang="en-US" altLang="zh-CN" sz="2000" dirty="0">
-                <a:sym typeface="Wingdings" panose="05000000000000000000" pitchFamily="2" charset="2"/>
-              </a:rPr>
-              <a:t>1</a:t>
-            </a:r>
-            <a:r>
-              <a:rPr lang="zh-CN" altLang="en-US" sz="2000" dirty="0">
-                <a:sym typeface="Wingdings" panose="05000000000000000000" pitchFamily="2" charset="2"/>
-              </a:rPr>
-              <a:t>个</a:t>
-            </a:r>
-            <a:r>
-              <a:rPr lang="en-US" altLang="zh-CN" sz="2000" dirty="0" smtClean="0">
-                <a:sym typeface="Wingdings" panose="05000000000000000000" pitchFamily="2" charset="2"/>
-              </a:rPr>
-              <a:t>tag</a:t>
-            </a:r>
-          </a:p>
-          <a:p>
-            <a:r>
-              <a:rPr lang="en-US" altLang="zh-CN" sz="2000" dirty="0" smtClean="0">
-                <a:sym typeface="Wingdings" panose="05000000000000000000" pitchFamily="2" charset="2"/>
-              </a:rPr>
               <a:t>Tag</a:t>
             </a:r>
             <a:r>
@@ -3280,13 +3273,37 @@
               <a:rPr lang="en-US" altLang="zh-CN" sz="1800" dirty="0" smtClean="0">
                 <a:sym typeface="Wingdings" panose="05000000000000000000" pitchFamily="2" charset="2"/>
               </a:rPr>
-              <a:t>G</a:t>
+              <a:t>S/</a:t>
             </a:r>
             <a:r>
               <a:rPr lang="zh-CN" altLang="en-US" sz="1800" dirty="0" smtClean="0">
                 <a:sym typeface="Wingdings" panose="05000000000000000000" pitchFamily="2" charset="2"/>
               </a:rPr>
-              <a:t>前缀表示组名，即目标为组成员</a:t>
+              <a:t>为系统级订阅主题，即目标为系统用户</a:t>
+            </a:r>
+            <a:endParaRPr lang="en-US" altLang="zh-CN" sz="1800" dirty="0" smtClean="0">
+              <a:sym typeface="Wingdings" panose="05000000000000000000" pitchFamily="2" charset="2"/>
+            </a:endParaRPr>
+          </a:p>
+          <a:p>
+            <a:pPr lvl="1"/>
+            <a:r>
+              <a:rPr lang="en-US" altLang="zh-CN" sz="1800" dirty="0" smtClean="0">
+                <a:sym typeface="Wingdings" panose="05000000000000000000" pitchFamily="2" charset="2"/>
+              </a:rPr>
+              <a:t>G/</a:t>
+            </a:r>
+            <a:r>
+              <a:rPr lang="zh-CN" altLang="en-US" sz="1800" dirty="0" smtClean="0">
+                <a:sym typeface="Wingdings" panose="05000000000000000000" pitchFamily="2" charset="2"/>
+              </a:rPr>
+              <a:t>前缀</a:t>
+            </a:r>
+            <a:r>
+              <a:rPr lang="zh-CN" altLang="en-US" sz="1800" dirty="0" smtClean="0">
+                <a:sym typeface="Wingdings" panose="05000000000000000000" pitchFamily="2" charset="2"/>
+              </a:rPr>
+              <a:t>表示组名，即目标为组成员</a:t>
             </a:r>
             <a:r>
               <a:rPr lang="en-US" altLang="zh-CN" sz="1800" dirty="0" smtClean="0">
@@ -3310,13 +3327,31 @@
               <a:rPr lang="en-US" altLang="zh-CN" sz="1800" dirty="0" smtClean="0">
                 <a:sym typeface="Wingdings" panose="05000000000000000000" pitchFamily="2" charset="2"/>
               </a:rPr>
-              <a:t>NULL</a:t>
+              <a:t>P/</a:t>
+            </a:r>
+            <a:r>
+              <a:rPr lang="en-US" altLang="zh-CN" sz="1800" dirty="0">
+                <a:sym typeface="Wingdings" panose="05000000000000000000" pitchFamily="2" charset="2"/>
+              </a:rPr>
+              <a:t>?</a:t>
             </a:r>
             <a:r>
               <a:rPr lang="zh-CN" altLang="en-US" sz="1800" dirty="0" smtClean="0">
                 <a:sym typeface="Wingdings" panose="05000000000000000000" pitchFamily="2" charset="2"/>
               </a:rPr>
-              <a:t>为空订阅主题</a:t>
+              <a:t>为点对点</a:t>
+            </a:r>
+            <a:r>
+              <a:rPr lang="zh-CN" altLang="en-US" sz="1800" dirty="0" smtClean="0">
+                <a:sym typeface="Wingdings" panose="05000000000000000000" pitchFamily="2" charset="2"/>
+              </a:rPr>
+              <a:t>订阅</a:t>
+            </a:r>
+            <a:r>
+              <a:rPr lang="en-US" altLang="zh-CN" sz="1800" dirty="0" smtClean="0">
+                <a:sym typeface="Wingdings" panose="05000000000000000000" pitchFamily="2" charset="2"/>
+              </a:rPr>
+              <a:t>tag</a:t>
             </a:r>
             <a:endParaRPr lang="en-US" altLang="zh-CN" sz="1800" dirty="0" smtClean="0">
               <a:sym typeface="Wingdings" panose="05000000000000000000" pitchFamily="2" charset="2"/>
@@ -3328,25 +3363,13 @@
               <a:rPr lang="zh-CN" altLang="en-US" sz="1800" dirty="0" smtClean="0">
                 <a:sym typeface="Wingdings" panose="05000000000000000000" pitchFamily="2" charset="2"/>
               </a:rPr>
-              <a:t>其它为单一</a:t>
+              <a:t>保存</a:t>
             </a:r>
             <a:r>
               <a:rPr lang="zh-CN" altLang="en-US" sz="1800" dirty="0" smtClean="0">
                 <a:sym typeface="Wingdings" panose="05000000000000000000" pitchFamily="2" charset="2"/>
               </a:rPr>
-              <a:t>用户</a:t>
-            </a:r>
-            <a:endParaRPr lang="en-US" altLang="zh-CN" sz="1800" dirty="0" smtClean="0">
-              <a:sym typeface="Wingdings" panose="05000000000000000000" pitchFamily="2" charset="2"/>
-            </a:endParaRPr>
-          </a:p>
-          <a:p>
-            <a:pPr lvl="1"/>
-            <a:r>
-              <a:rPr lang="zh-CN" altLang="en-US" sz="1800" dirty="0" smtClean="0">
-                <a:sym typeface="Wingdings" panose="05000000000000000000" pitchFamily="2" charset="2"/>
-              </a:rPr>
-              <a:t>保存消息</a:t>
+              <a:t>消息</a:t>
             </a:r>
             <a:endParaRPr lang="en-US" altLang="zh-CN" sz="1800" dirty="0" smtClean="0">
               <a:sym typeface="Wingdings" panose="05000000000000000000" pitchFamily="2" charset="2"/>
@@ -3377,7 +3400,7 @@
         </p:spPr>
         <p:txBody>
           <a:bodyPr vert="horz" lIns="91440" tIns="45720" rIns="91440" bIns="45720" rtlCol="0">
-            <a:normAutofit lnSpcReduction="10000"/>
+            <a:normAutofit/>
           </a:bodyPr>
           <a:lstStyle>
             <a:lvl1pPr marL="228600" indent="-228600" algn="l" defTabSz="914400" rtl="0" eaLnBrk="1" latinLnBrk="0" hangingPunct="1">
@@ -3566,11 +3589,19 @@
             </a:pPr>
             <a:r>
               <a:rPr lang="zh-CN" altLang="en-US" sz="2000" dirty="0"/>
-              <a:t>系统：</a:t>
+              <a:t>系统</a:t>
+            </a:r>
+            <a:r>
+              <a:rPr lang="zh-CN" altLang="en-US" sz="2000" dirty="0" smtClean="0"/>
+              <a:t>：</a:t>
+            </a:r>
+            <a:r>
+              <a:rPr lang="en-US" altLang="zh-CN" sz="2000" dirty="0" smtClean="0"/>
+              <a:t>S</a:t>
             </a:r>
             <a:r>
               <a:rPr lang="en-US" altLang="zh-CN" sz="2000" dirty="0"/>
-              <a:t>P/S/</a:t>
+              <a:t>/</a:t>
             </a:r>
           </a:p>
           <a:p>
@@ -3579,11 +3610,19 @@
             </a:pPr>
             <a:r>
               <a:rPr lang="zh-CN" altLang="en-US" sz="2000" dirty="0"/>
-              <a:t>群组：</a:t>
+              <a:t>群组</a:t>
+            </a:r>
+            <a:r>
+              <a:rPr lang="zh-CN" altLang="en-US" sz="2000" dirty="0" smtClean="0"/>
+              <a:t>：</a:t>
+            </a:r>
+            <a:r>
+              <a:rPr lang="en-US" altLang="zh-CN" sz="2000" dirty="0" smtClean="0"/>
+              <a:t>G</a:t>
             </a:r>
             <a:r>
               <a:rPr lang="en-US" altLang="zh-CN" sz="2000" dirty="0"/>
-              <a:t>P/G/</a:t>
+              <a:t>/</a:t>
             </a:r>
           </a:p>
           <a:p>
@@ -3600,7 +3639,11 @@
             </a:r>
             <a:r>
               <a:rPr lang="en-US" altLang="zh-CN" sz="2000" dirty="0" smtClean="0"/>
-              <a:t>P/P/       </a:t>
+              <a:t>P</a:t>
+            </a:r>
+            <a:r>
+              <a:rPr lang="en-US" altLang="zh-CN" sz="2000" dirty="0" smtClean="0"/>
+              <a:t>/       </a:t>
             </a:r>
             <a:r>
               <a:rPr lang="en-US" altLang="zh-CN" sz="2000" dirty="0"/>
@@ -3623,15 +3666,15 @@
               <a:t>：</a:t>
             </a:r>
             <a:r>
+              <a:rPr lang="en-US" altLang="zh-CN" sz="2000" dirty="0" smtClean="0"/>
+              <a:t>P/</a:t>
+            </a:r>
+            <a:r>
               <a:rPr lang="en-US" altLang="zh-CN" sz="2000" dirty="0"/>
-              <a:t>P</a:t>
+              <a:t>?</a:t>
             </a:r>
             <a:r>
               <a:rPr lang="en-US" altLang="zh-CN" sz="2000" dirty="0" smtClean="0"/>
-              <a:t>/P/NULL</a:t>
-            </a:r>
-            <a:r>
-              <a:rPr lang="en-US" altLang="zh-CN" sz="2000" dirty="0"/>
               <a:t>, </a:t>
             </a:r>
             <a:r>
@@ -3652,7 +3695,7 @@
             </a:r>
             <a:r>
               <a:rPr lang="en-US" altLang="zh-CN" sz="2000" dirty="0" smtClean="0"/>
-              <a:t>P/P/</a:t>
+              <a:t>P/</a:t>
             </a:r>
             <a:r>
               <a:rPr lang="en-US" altLang="zh-CN" sz="2000" dirty="0" err="1" smtClean="0"/>
@@ -3663,113 +3706,6 @@
               <a:t>)</a:t>
             </a:r>
             <a:endParaRPr lang="en-US" altLang="zh-CN" sz="2000" dirty="0"/>
-          </a:p>
-          <a:p>
-            <a:pPr marL="0" indent="0">
-              <a:buNone/>
-            </a:pPr>
-            <a:endParaRPr lang="en-US" altLang="zh-CN" sz="2000" dirty="0"/>
-          </a:p>
-          <a:p>
-            <a:pPr marL="0" indent="0">
-              <a:buNone/>
-            </a:pPr>
-            <a:r>
-              <a:rPr lang="zh-CN" altLang="en-US" sz="2000" dirty="0"/>
-              <a:t>临时队列</a:t>
-            </a:r>
-            <a:r>
-              <a:rPr lang="en-US" altLang="zh-CN" sz="2000" dirty="0"/>
-              <a:t>TOPIC</a:t>
-            </a:r>
-            <a:r>
-              <a:rPr lang="zh-CN" altLang="en-US" sz="2000" dirty="0"/>
-              <a:t>命名：</a:t>
-            </a:r>
-          </a:p>
-          <a:p>
-            <a:pPr marL="0" indent="0">
-              <a:buNone/>
-            </a:pPr>
-            <a:r>
-              <a:rPr lang="zh-CN" altLang="en-US" sz="2000" dirty="0"/>
-              <a:t>系统：</a:t>
-            </a:r>
-            <a:r>
-              <a:rPr lang="en-US" altLang="zh-CN" sz="2000" dirty="0"/>
-              <a:t>T/S/</a:t>
-            </a:r>
-          </a:p>
-          <a:p>
-            <a:pPr marL="0" indent="0">
-              <a:buNone/>
-            </a:pPr>
-            <a:r>
-              <a:rPr lang="zh-CN" altLang="en-US" sz="2000" dirty="0"/>
-              <a:t>群组：</a:t>
-            </a:r>
-            <a:r>
-              <a:rPr lang="en-US" altLang="zh-CN" sz="2000" dirty="0"/>
-              <a:t>T/G/</a:t>
-            </a:r>
-          </a:p>
-          <a:p>
-            <a:pPr marL="0" indent="0">
-              <a:buNone/>
-            </a:pPr>
-            <a:r>
-              <a:rPr lang="en-US" altLang="zh-CN" sz="2000" dirty="0"/>
-              <a:t>P2P </a:t>
-            </a:r>
-            <a:r>
-              <a:rPr lang="zh-CN" altLang="en-US" sz="2000" dirty="0"/>
-              <a:t>： </a:t>
-            </a:r>
-            <a:r>
-              <a:rPr lang="en-US" altLang="zh-CN" sz="2000" dirty="0" smtClean="0"/>
-              <a:t>T/P/      (</a:t>
-            </a:r>
-            <a:r>
-              <a:rPr lang="zh-CN" altLang="en-US" sz="2000" dirty="0" smtClean="0"/>
-              <a:t>订阅时</a:t>
-            </a:r>
-            <a:r>
-              <a:rPr lang="en-US" altLang="zh-CN" sz="2000" dirty="0" smtClean="0"/>
-              <a:t>TOPIC</a:t>
-            </a:r>
-            <a:r>
-              <a:rPr lang="zh-CN" altLang="en-US" sz="2000" dirty="0" smtClean="0"/>
-              <a:t>名为：</a:t>
-            </a:r>
-            <a:r>
-              <a:rPr lang="en-US" altLang="zh-CN" sz="2000" dirty="0" smtClean="0"/>
-              <a:t>T/P/NULL, </a:t>
-            </a:r>
-            <a:r>
-              <a:rPr lang="zh-CN" altLang="en-US" sz="2000" dirty="0" smtClean="0"/>
-              <a:t>发送消息时</a:t>
-            </a:r>
-            <a:r>
-              <a:rPr lang="en-US" altLang="zh-CN" sz="2000" dirty="0" smtClean="0"/>
-              <a:t>TOPIC</a:t>
-            </a:r>
-            <a:r>
-              <a:rPr lang="zh-CN" altLang="en-US" sz="2000" dirty="0" smtClean="0"/>
-              <a:t>名为</a:t>
-            </a:r>
-            <a:r>
-              <a:rPr lang="en-US" altLang="zh-CN" sz="2000" dirty="0" smtClean="0"/>
-              <a:t>T/P/</a:t>
-            </a:r>
-            <a:r>
-              <a:rPr lang="en-US" altLang="zh-CN" sz="2000" dirty="0" err="1" smtClean="0"/>
-              <a:t>ClientId</a:t>
-            </a:r>
-            <a:r>
-              <a:rPr lang="en-US" altLang="zh-CN" sz="2000" dirty="0" smtClean="0"/>
-              <a:t>)</a:t>
-            </a:r>
-            <a:endParaRPr lang="zh-CN" altLang="en-US" sz="2000" dirty="0"/>
           </a:p>
         </p:txBody>
       </p:sp>
@@ -5223,7 +5159,7 @@
         <p:spPr>
           <a:xfrm>
             <a:off x="6846663" y="4988950"/>
-            <a:ext cx="1388522" cy="246221"/>
+            <a:ext cx="2000869" cy="246221"/>
           </a:xfrm>
           <a:prstGeom prst="rect">
             <a:avLst/>
@@ -5238,15 +5174,39 @@
           <a:p>
             <a:r>
               <a:rPr lang="zh-CN" altLang="en-US" sz="1000" dirty="0" smtClean="0"/>
-              <a:t>离线的丢弃</a:t>
+              <a:t>离线</a:t>
             </a:r>
             <a:r>
               <a:rPr lang="en-US" altLang="zh-CN" sz="1000" dirty="0" smtClean="0"/>
-              <a:t>/</a:t>
+              <a:t>: </a:t>
+            </a:r>
+            <a:r>
+              <a:rPr lang="en-US" altLang="zh-CN" sz="1000" dirty="0" err="1" smtClean="0"/>
+              <a:t>Qos</a:t>
+            </a:r>
+            <a:r>
+              <a:rPr lang="en-US" altLang="zh-CN" sz="1000" dirty="0" smtClean="0"/>
+              <a:t>=0</a:t>
             </a:r>
             <a:r>
               <a:rPr lang="zh-CN" altLang="en-US" sz="1000" dirty="0" smtClean="0"/>
-              <a:t>存本地？</a:t>
+              <a:t>丢弃</a:t>
+            </a:r>
+            <a:r>
+              <a:rPr lang="en-US" altLang="zh-CN" sz="1000" dirty="0"/>
+              <a:t>, </a:t>
+            </a:r>
+            <a:r>
+              <a:rPr lang="en-US" altLang="zh-CN" sz="1000" dirty="0" err="1" smtClean="0"/>
+              <a:t>Qos</a:t>
+            </a:r>
+            <a:r>
+              <a:rPr lang="en-US" altLang="zh-CN" sz="1000" dirty="0" smtClean="0"/>
+              <a:t>&gt;0</a:t>
+            </a:r>
+            <a:r>
+              <a:rPr lang="zh-CN" altLang="en-US" sz="1000" dirty="0" smtClean="0"/>
+              <a:t>保存本地</a:t>
             </a:r>
             <a:endParaRPr lang="zh-CN" altLang="en-US" sz="1000" dirty="0"/>
           </a:p>
@@ -6698,8 +6658,8 @@
         </p:nvSpPr>
         <p:spPr>
           <a:xfrm>
-            <a:off x="6458736" y="4545614"/>
-            <a:ext cx="1388522" cy="246221"/>
+            <a:off x="6458736" y="4556903"/>
+            <a:ext cx="2000869" cy="246221"/>
           </a:xfrm>
           <a:prstGeom prst="rect">
             <a:avLst/>
@@ -6713,20 +6673,40 @@
           <a:lstStyle/>
           <a:p>
             <a:r>
+              <a:rPr lang="zh-CN" altLang="en-US" sz="1000" dirty="0"/>
+              <a:t>离线</a:t>
+            </a:r>
+            <a:r>
+              <a:rPr lang="en-US" altLang="zh-CN" sz="1000" dirty="0"/>
+              <a:t>: </a:t>
+            </a:r>
+            <a:r>
+              <a:rPr lang="en-US" altLang="zh-CN" sz="1000" dirty="0" err="1"/>
+              <a:t>Qos</a:t>
+            </a:r>
+            <a:r>
+              <a:rPr lang="en-US" altLang="zh-CN" sz="1000" dirty="0"/>
+              <a:t>=0</a:t>
+            </a:r>
+            <a:r>
+              <a:rPr lang="zh-CN" altLang="en-US" sz="1000" dirty="0"/>
+              <a:t>丢弃</a:t>
+            </a:r>
+            <a:r>
+              <a:rPr lang="en-US" altLang="zh-CN" sz="1000" dirty="0"/>
+              <a:t>, </a:t>
+            </a:r>
+            <a:r>
+              <a:rPr lang="en-US" altLang="zh-CN" sz="1000" dirty="0" err="1" smtClean="0"/>
+              <a:t>Qos</a:t>
+            </a:r>
+            <a:r>
+              <a:rPr lang="en-US" altLang="zh-CN" sz="1000" dirty="0" smtClean="0"/>
+              <a:t>&gt;0</a:t>
+            </a:r>
+            <a:r>
               <a:rPr lang="zh-CN" altLang="en-US" sz="1000" dirty="0" smtClean="0"/>
-              <a:t>离线的丢弃</a:t>
-            </a:r>
-            <a:r>
-              <a:rPr lang="en-US" altLang="zh-CN" sz="1000" dirty="0"/>
-              <a:t>/</a:t>
-            </a:r>
-            <a:r>
-              <a:rPr lang="zh-CN" altLang="en-US" sz="1000" dirty="0"/>
-              <a:t>存本地</a:t>
-            </a:r>
-            <a:r>
-              <a:rPr lang="zh-CN" altLang="en-US" sz="1000" dirty="0" smtClean="0"/>
-              <a:t>？</a:t>
+              <a:t>保存本地</a:t>
             </a:r>
             <a:endParaRPr lang="zh-CN" altLang="en-US" sz="1000" dirty="0"/>
           </a:p>
@@ -11513,7 +11493,7 @@
         <p:spPr>
           <a:xfrm>
             <a:off x="6458736" y="4545614"/>
-            <a:ext cx="1388522" cy="246221"/>
+            <a:ext cx="2000869" cy="246221"/>
           </a:xfrm>
           <a:prstGeom prst="rect">
             <a:avLst/>
@@ -11527,20 +11507,44 @@
           <a:lstStyle/>
           <a:p>
             <a:r>
+              <a:rPr lang="zh-CN" altLang="en-US" sz="1000" dirty="0"/>
+              <a:t>离线</a:t>
+            </a:r>
+            <a:r>
+              <a:rPr lang="en-US" altLang="zh-CN" sz="1000" dirty="0"/>
+              <a:t>: </a:t>
+            </a:r>
+            <a:r>
+              <a:rPr lang="en-US" altLang="zh-CN" sz="1000" dirty="0" err="1"/>
+              <a:t>Qos</a:t>
+            </a:r>
+            <a:r>
+              <a:rPr lang="en-US" altLang="zh-CN" sz="1000" dirty="0"/>
+              <a:t>=0</a:t>
+            </a:r>
+            <a:r>
+              <a:rPr lang="zh-CN" altLang="en-US" sz="1000" dirty="0"/>
+              <a:t>丢弃</a:t>
+            </a:r>
+            <a:r>
+              <a:rPr lang="en-US" altLang="zh-CN" sz="1000" dirty="0"/>
+              <a:t>, </a:t>
+            </a:r>
+            <a:r>
+              <a:rPr lang="en-US" altLang="zh-CN" sz="1000" dirty="0" err="1" smtClean="0"/>
+              <a:t>Qos</a:t>
+            </a:r>
+            <a:r>
+              <a:rPr lang="en-US" altLang="zh-CN" sz="1000" dirty="0" smtClean="0"/>
+              <a:t>&gt;0</a:t>
+            </a:r>
+            <a:r>
               <a:rPr lang="zh-CN" altLang="en-US" sz="1000" dirty="0" smtClean="0"/>
-              <a:t>离线的丢弃</a:t>
-            </a:r>
-            <a:r>
-              <a:rPr lang="en-US" altLang="zh-CN" sz="1000" dirty="0"/>
-              <a:t>/</a:t>
+              <a:t>保存</a:t>
             </a:r>
             <a:r>
               <a:rPr lang="zh-CN" altLang="en-US" sz="1000" dirty="0"/>
-              <a:t>存本地</a:t>
-            </a:r>
-            <a:r>
-              <a:rPr lang="zh-CN" altLang="en-US" sz="1000" dirty="0" smtClean="0"/>
-              <a:t>？</a:t>
+              <a:t>本地</a:t>
             </a:r>
             <a:endParaRPr lang="zh-CN" altLang="en-US" sz="1000" dirty="0"/>
           </a:p>

--- a/rocketmq-mqtt/MQTT.pptx
+++ b/rocketmq-mqtt/MQTT.pptx
@@ -3018,24 +3018,20 @@
           </a:bodyPr>
           <a:lstStyle/>
           <a:p>
-            <a:r>
-              <a:rPr lang="en-US" altLang="zh-CN" sz="2000" dirty="0" smtClean="0"/>
-              <a:t>1</a:t>
+            <a:pPr marL="0" indent="0">
+              <a:buNone/>
+            </a:pPr>
+            <a:r>
+              <a:rPr lang="en-US" altLang="zh-CN" sz="2000" dirty="0" err="1" smtClean="0"/>
+              <a:t>RocketMQ</a:t>
             </a:r>
             <a:r>
               <a:rPr lang="zh-CN" altLang="en-US" sz="2000" dirty="0" smtClean="0"/>
-              <a:t>个</a:t>
-            </a:r>
-            <a:r>
-              <a:rPr lang="en-US" altLang="zh-CN" sz="2000" dirty="0" smtClean="0"/>
-              <a:t>Broker </a:t>
-            </a:r>
-            <a:r>
-              <a:rPr lang="en-US" altLang="zh-CN" sz="2000" dirty="0" smtClean="0">
-                <a:sym typeface="Wingdings" panose="05000000000000000000" pitchFamily="2" charset="2"/>
-              </a:rPr>
-              <a:t> </a:t>
-            </a:r>
+              <a:t>模型对应关系</a:t>
+            </a:r>
+            <a:endParaRPr lang="en-US" altLang="zh-CN" sz="2000" dirty="0" smtClean="0"/>
+          </a:p>
+          <a:p>
             <a:r>
               <a:rPr lang="en-US" altLang="zh-CN" sz="2000" dirty="0" smtClean="0">
                 <a:sym typeface="Wingdings" panose="05000000000000000000" pitchFamily="2" charset="2"/>
@@ -3072,6 +3068,28 @@
               </a:rPr>
               <a:t>)</a:t>
             </a:r>
+            <a:r>
+              <a:rPr lang="en-US" altLang="zh-CN" sz="2000" dirty="0"/>
+              <a:t> </a:t>
+            </a:r>
+            <a:r>
+              <a:rPr lang="en-US" altLang="zh-CN" sz="2000" dirty="0">
+                <a:sym typeface="Wingdings" panose="05000000000000000000" pitchFamily="2" charset="2"/>
+              </a:rPr>
+              <a:t> </a:t>
+            </a:r>
+            <a:r>
+              <a:rPr lang="en-US" altLang="zh-CN" sz="2000" dirty="0" smtClean="0"/>
+              <a:t>1</a:t>
+            </a:r>
+            <a:r>
+              <a:rPr lang="zh-CN" altLang="en-US" sz="2000" dirty="0" smtClean="0"/>
+              <a:t>个</a:t>
+            </a:r>
+            <a:r>
+              <a:rPr lang="en-US" altLang="zh-CN" sz="2000" dirty="0" smtClean="0"/>
+              <a:t>Broker(MQTT)</a:t>
+            </a:r>
           </a:p>
           <a:p>
             <a:r>
@@ -3090,7 +3108,25 @@
               <a:rPr lang="en-US" altLang="zh-CN" sz="2000" dirty="0" smtClean="0">
                 <a:sym typeface="Wingdings" panose="05000000000000000000" pitchFamily="2" charset="2"/>
               </a:rPr>
-              <a:t>MQ  </a:t>
+              <a:t>MQ  1</a:t>
+            </a:r>
+            <a:r>
+              <a:rPr lang="zh-CN" altLang="en-US" sz="2000" dirty="0" smtClean="0">
+                <a:sym typeface="Wingdings" panose="05000000000000000000" pitchFamily="2" charset="2"/>
+              </a:rPr>
+              <a:t>个下行</a:t>
+            </a:r>
+            <a:r>
+              <a:rPr lang="en-US" altLang="zh-CN" sz="2000" dirty="0" smtClean="0">
+                <a:sym typeface="Wingdings" panose="05000000000000000000" pitchFamily="2" charset="2"/>
+              </a:rPr>
+              <a:t>TOPIC</a:t>
+            </a:r>
+            <a:r>
+              <a:rPr lang="zh-CN" altLang="en-US" sz="2000" dirty="0" smtClean="0">
+                <a:sym typeface="Wingdings" panose="05000000000000000000" pitchFamily="2" charset="2"/>
+              </a:rPr>
+              <a:t> 、</a:t>
             </a:r>
             <a:r>
               <a:rPr lang="en-US" altLang="zh-CN" sz="2000" dirty="0" smtClean="0">
@@ -3102,13 +3138,7 @@
               <a:rPr lang="zh-CN" altLang="en-US" sz="2000" dirty="0" smtClean="0">
                 <a:sym typeface="Wingdings" panose="05000000000000000000" pitchFamily="2" charset="2"/>
               </a:rPr>
-              <a:t>个</a:t>
-            </a:r>
-            <a:r>
-              <a:rPr lang="zh-CN" altLang="en-US" sz="2000" dirty="0" smtClean="0">
-                <a:sym typeface="Wingdings" panose="05000000000000000000" pitchFamily="2" charset="2"/>
-              </a:rPr>
-              <a:t>下行</a:t>
+              <a:t>个上行</a:t>
             </a:r>
             <a:r>
               <a:rPr lang="en-US" altLang="zh-CN" sz="2000" dirty="0" smtClean="0">
@@ -3120,7 +3150,7 @@
               <a:rPr lang="zh-CN" altLang="en-US" sz="2000" dirty="0" smtClean="0">
                 <a:sym typeface="Wingdings" panose="05000000000000000000" pitchFamily="2" charset="2"/>
               </a:rPr>
-              <a:t> 、</a:t>
+              <a:t>、</a:t>
             </a:r>
             <a:r>
               <a:rPr lang="en-US" altLang="zh-CN" sz="2000" dirty="0" smtClean="0">
@@ -3135,23 +3165,16 @@
               <a:t>个</a:t>
             </a:r>
             <a:r>
-              <a:rPr lang="zh-CN" altLang="en-US" sz="2000" dirty="0" smtClean="0">
-                <a:sym typeface="Wingdings" panose="05000000000000000000" pitchFamily="2" charset="2"/>
-              </a:rPr>
-              <a:t>上行</a:t>
-            </a:r>
-            <a:r>
               <a:rPr lang="en-US" altLang="zh-CN" sz="2000" dirty="0" smtClean="0">
                 <a:sym typeface="Wingdings" panose="05000000000000000000" pitchFamily="2" charset="2"/>
               </a:rPr>
-              <a:t>TOPIC</a:t>
-            </a:r>
-            <a:r>
-              <a:rPr lang="zh-CN" altLang="en-US" sz="2000" dirty="0" smtClean="0">
-                <a:sym typeface="Wingdings" panose="05000000000000000000" pitchFamily="2" charset="2"/>
-              </a:rPr>
-              <a:t>、</a:t>
-            </a:r>
+              <a:t>SYS</a:t>
+            </a:r>
+            <a:endParaRPr lang="en-US" altLang="zh-CN" sz="2000" dirty="0">
+              <a:sym typeface="Wingdings" panose="05000000000000000000" pitchFamily="2" charset="2"/>
+            </a:endParaRPr>
+          </a:p>
+          <a:p>
             <a:r>
               <a:rPr lang="en-US" altLang="zh-CN" sz="2000" dirty="0" smtClean="0">
                 <a:sym typeface="Wingdings" panose="05000000000000000000" pitchFamily="2" charset="2"/>
@@ -3162,17 +3185,26 @@
               <a:rPr lang="zh-CN" altLang="en-US" sz="2000" dirty="0" smtClean="0">
                 <a:sym typeface="Wingdings" panose="05000000000000000000" pitchFamily="2" charset="2"/>
               </a:rPr>
-              <a:t>个</a:t>
+              <a:t>个下行</a:t>
             </a:r>
             <a:r>
               <a:rPr lang="en-US" altLang="zh-CN" sz="2000" dirty="0" smtClean="0">
                 <a:sym typeface="Wingdings" panose="05000000000000000000" pitchFamily="2" charset="2"/>
               </a:rPr>
-              <a:t>SYS</a:t>
-            </a:r>
-            <a:endParaRPr lang="en-US" altLang="zh-CN" sz="2000" dirty="0">
-              <a:sym typeface="Wingdings" panose="05000000000000000000" pitchFamily="2" charset="2"/>
-            </a:endParaRPr>
+              <a:t>TOPIC  X</a:t>
+            </a:r>
+            <a:r>
+              <a:rPr lang="zh-CN" altLang="en-US" sz="2000" dirty="0" smtClean="0">
+                <a:sym typeface="Wingdings" panose="05000000000000000000" pitchFamily="2" charset="2"/>
+              </a:rPr>
+              <a:t>个</a:t>
+            </a:r>
+            <a:r>
+              <a:rPr lang="en-US" altLang="zh-CN" sz="2000" dirty="0" smtClean="0">
+                <a:sym typeface="Wingdings" panose="05000000000000000000" pitchFamily="2" charset="2"/>
+              </a:rPr>
+              <a:t>tag</a:t>
+            </a:r>
           </a:p>
           <a:p>
             <a:r>
@@ -3182,73 +3214,36 @@
               <a:t>1</a:t>
             </a:r>
             <a:r>
-              <a:rPr lang="zh-CN" altLang="en-US" sz="2000" dirty="0" smtClean="0">
-                <a:sym typeface="Wingdings" panose="05000000000000000000" pitchFamily="2" charset="2"/>
-              </a:rPr>
-              <a:t>个下行</a:t>
-            </a:r>
-            <a:r>
-              <a:rPr lang="en-US" altLang="zh-CN" sz="2000" dirty="0" smtClean="0">
-                <a:sym typeface="Wingdings" panose="05000000000000000000" pitchFamily="2" charset="2"/>
-              </a:rPr>
-              <a:t>TOPIC  </a:t>
-            </a:r>
-            <a:r>
-              <a:rPr lang="en-US" altLang="zh-CN" sz="2000" dirty="0" smtClean="0">
-                <a:sym typeface="Wingdings" panose="05000000000000000000" pitchFamily="2" charset="2"/>
-              </a:rPr>
-              <a:t>X</a:t>
-            </a:r>
-            <a:r>
-              <a:rPr lang="zh-CN" altLang="en-US" sz="2000" dirty="0" smtClean="0">
-                <a:sym typeface="Wingdings" panose="05000000000000000000" pitchFamily="2" charset="2"/>
-              </a:rPr>
-              <a:t>个</a:t>
-            </a:r>
-            <a:r>
-              <a:rPr lang="en-US" altLang="zh-CN" sz="2000" dirty="0" smtClean="0">
-                <a:sym typeface="Wingdings" panose="05000000000000000000" pitchFamily="2" charset="2"/>
-              </a:rPr>
-              <a:t>tag</a:t>
-            </a:r>
-          </a:p>
-          <a:p>
-            <a:r>
-              <a:rPr lang="en-US" altLang="zh-CN" sz="2000" dirty="0" smtClean="0">
-                <a:sym typeface="Wingdings" panose="05000000000000000000" pitchFamily="2" charset="2"/>
-              </a:rPr>
-              <a:t>1</a:t>
-            </a:r>
-            <a:r>
-              <a:rPr lang="zh-CN" altLang="en-US" sz="2000" dirty="0" smtClean="0">
-                <a:sym typeface="Wingdings" panose="05000000000000000000" pitchFamily="2" charset="2"/>
-              </a:rPr>
-              <a:t>个</a:t>
-            </a:r>
-            <a:r>
-              <a:rPr lang="en-US" altLang="zh-CN" sz="2000" dirty="0" smtClean="0">
-                <a:sym typeface="Wingdings" panose="05000000000000000000" pitchFamily="2" charset="2"/>
-              </a:rPr>
-              <a:t>ClientId  </a:t>
-            </a:r>
-            <a:r>
-              <a:rPr lang="en-US" altLang="zh-CN" sz="2000" dirty="0">
-                <a:sym typeface="Wingdings" panose="05000000000000000000" pitchFamily="2" charset="2"/>
-              </a:rPr>
-              <a:t>1</a:t>
-            </a:r>
-            <a:r>
               <a:rPr lang="zh-CN" altLang="en-US" sz="2000" dirty="0">
                 <a:sym typeface="Wingdings" panose="05000000000000000000" pitchFamily="2" charset="2"/>
               </a:rPr>
               <a:t>个</a:t>
             </a:r>
             <a:r>
-              <a:rPr lang="en-US" altLang="zh-CN" sz="2000" dirty="0" smtClean="0">
+              <a:rPr lang="en-US" altLang="zh-CN" sz="2000" dirty="0">
                 <a:sym typeface="Wingdings" panose="05000000000000000000" pitchFamily="2" charset="2"/>
               </a:rPr>
-              <a:t>tag</a:t>
-            </a:r>
+              <a:t>tag  1</a:t>
+            </a:r>
+            <a:r>
+              <a:rPr lang="zh-CN" altLang="en-US" sz="2000" dirty="0">
+                <a:sym typeface="Wingdings" panose="05000000000000000000" pitchFamily="2" charset="2"/>
+              </a:rPr>
+              <a:t>个</a:t>
+            </a:r>
+            <a:r>
+              <a:rPr lang="en-US" altLang="zh-CN" sz="2000" dirty="0" err="1" smtClean="0">
+                <a:sym typeface="Wingdings" panose="05000000000000000000" pitchFamily="2" charset="2"/>
+              </a:rPr>
+              <a:t>ClientId</a:t>
+            </a:r>
+            <a:r>
+              <a:rPr lang="en-US" altLang="zh-CN" sz="2000" dirty="0"/>
+              <a:t>(MQTT)</a:t>
+            </a:r>
+            <a:endParaRPr lang="en-US" altLang="zh-CN" sz="2000" dirty="0" smtClean="0">
+              <a:sym typeface="Wingdings" panose="05000000000000000000" pitchFamily="2" charset="2"/>
+            </a:endParaRPr>
           </a:p>
           <a:p>
             <a:r>
@@ -3297,13 +3292,7 @@
               <a:rPr lang="zh-CN" altLang="en-US" sz="1800" dirty="0" smtClean="0">
                 <a:sym typeface="Wingdings" panose="05000000000000000000" pitchFamily="2" charset="2"/>
               </a:rPr>
-              <a:t>前缀</a:t>
-            </a:r>
-            <a:r>
-              <a:rPr lang="zh-CN" altLang="en-US" sz="1800" dirty="0" smtClean="0">
-                <a:sym typeface="Wingdings" panose="05000000000000000000" pitchFamily="2" charset="2"/>
-              </a:rPr>
-              <a:t>表示组名，即目标为组成员</a:t>
+              <a:t>前缀表示组名，即目标为组成员</a:t>
             </a:r>
             <a:r>
               <a:rPr lang="en-US" altLang="zh-CN" sz="1800" dirty="0" smtClean="0">
@@ -3339,13 +3328,7 @@
               <a:rPr lang="zh-CN" altLang="en-US" sz="1800" dirty="0" smtClean="0">
                 <a:sym typeface="Wingdings" panose="05000000000000000000" pitchFamily="2" charset="2"/>
               </a:rPr>
-              <a:t>为点对点</a:t>
-            </a:r>
-            <a:r>
-              <a:rPr lang="zh-CN" altLang="en-US" sz="1800" dirty="0" smtClean="0">
-                <a:sym typeface="Wingdings" panose="05000000000000000000" pitchFamily="2" charset="2"/>
-              </a:rPr>
-              <a:t>订阅</a:t>
+              <a:t>为点对点订阅</a:t>
             </a:r>
             <a:r>
               <a:rPr lang="en-US" altLang="zh-CN" sz="1800" dirty="0" smtClean="0">
@@ -3356,28 +3339,6 @@
             <a:endParaRPr lang="en-US" altLang="zh-CN" sz="1800" dirty="0" smtClean="0">
               <a:sym typeface="Wingdings" panose="05000000000000000000" pitchFamily="2" charset="2"/>
             </a:endParaRPr>
-          </a:p>
-          <a:p>
-            <a:pPr lvl="1"/>
-            <a:r>
-              <a:rPr lang="zh-CN" altLang="en-US" sz="1800" dirty="0" smtClean="0">
-                <a:sym typeface="Wingdings" panose="05000000000000000000" pitchFamily="2" charset="2"/>
-              </a:rPr>
-              <a:t>保存</a:t>
-            </a:r>
-            <a:r>
-              <a:rPr lang="zh-CN" altLang="en-US" sz="1800" dirty="0" smtClean="0">
-                <a:sym typeface="Wingdings" panose="05000000000000000000" pitchFamily="2" charset="2"/>
-              </a:rPr>
-              <a:t>消息</a:t>
-            </a:r>
-            <a:endParaRPr lang="en-US" altLang="zh-CN" sz="1800" dirty="0" smtClean="0">
-              <a:sym typeface="Wingdings" panose="05000000000000000000" pitchFamily="2" charset="2"/>
-            </a:endParaRPr>
-          </a:p>
-          <a:p>
-            <a:pPr lvl="1"/>
-            <a:endParaRPr lang="zh-CN" altLang="en-US" sz="1800" dirty="0"/>
           </a:p>
         </p:txBody>
       </p:sp>
@@ -3571,17 +3532,22 @@
               <a:buNone/>
             </a:pPr>
             <a:r>
-              <a:rPr lang="zh-CN" altLang="en-US" sz="2000" dirty="0"/>
-              <a:t>持久队列</a:t>
-            </a:r>
-            <a:r>
-              <a:rPr lang="en-US" altLang="zh-CN" sz="2000" dirty="0"/>
+              <a:rPr lang="en-US" altLang="zh-CN" sz="2000" dirty="0" smtClean="0"/>
+              <a:t>MQTT</a:t>
+            </a:r>
+            <a:r>
+              <a:rPr lang="zh-CN" altLang="en-US" sz="2000" dirty="0" smtClean="0"/>
+              <a:t>客户端</a:t>
+            </a:r>
+            <a:r>
+              <a:rPr lang="en-US" altLang="zh-CN" sz="2000" dirty="0" smtClean="0"/>
               <a:t>TOPIC</a:t>
             </a:r>
             <a:r>
-              <a:rPr lang="zh-CN" altLang="en-US" sz="2000" dirty="0"/>
-              <a:t>命名：</a:t>
-            </a:r>
+              <a:rPr lang="zh-CN" altLang="en-US" sz="2000" dirty="0" smtClean="0"/>
+              <a:t>命名规则：</a:t>
+            </a:r>
+            <a:endParaRPr lang="zh-CN" altLang="en-US" sz="2000" dirty="0"/>
           </a:p>
           <a:p>
             <a:pPr marL="0" indent="0">
@@ -3639,11 +3605,7 @@
             </a:r>
             <a:r>
               <a:rPr lang="en-US" altLang="zh-CN" sz="2000" dirty="0" smtClean="0"/>
-              <a:t>P</a:t>
-            </a:r>
-            <a:r>
-              <a:rPr lang="en-US" altLang="zh-CN" sz="2000" dirty="0" smtClean="0"/>
-              <a:t>/       </a:t>
+              <a:t>P/       </a:t>
             </a:r>
             <a:r>
               <a:rPr lang="en-US" altLang="zh-CN" sz="2000" dirty="0"/>
@@ -11546,7 +11508,6 @@
               <a:rPr lang="zh-CN" altLang="en-US" sz="1000" dirty="0"/>
               <a:t>本地</a:t>
             </a:r>
-            <a:endParaRPr lang="zh-CN" altLang="en-US" sz="1000" dirty="0"/>
           </a:p>
         </p:txBody>
       </p:sp>
